--- a/doc/presentation/presentation.pptx
+++ b/doc/presentation/presentation.pptx
@@ -137,6 +137,9 @@
         </p15:guide>
       </p15:sldGuideLst>
     </p:ext>
+    <p:ext uri="{2D200454-40CA-4A62-9FC3-DE9A4176ACB9}">
+      <p15:notesGuideLst xmlns:p15="http://schemas.microsoft.com/office/powerpoint/2012/main"/>
+    </p:ext>
   </p:extLst>
 </p:presentation>
 </file>
@@ -235,7 +238,7 @@
           <a:p>
             <a:fld id="{6E95EFB3-D94B-0742-9CF8-183E43328B5F}" type="datetimeFigureOut">
               <a:rPr lang="hu-HU" smtClean="0"/>
-              <a:t>2019. 05. 12.</a:t>
+              <a:t>2019. 05. 13.</a:t>
             </a:fld>
             <a:endParaRPr lang="hu-HU"/>
           </a:p>
@@ -412,7 +415,7 @@
           <a:p>
             <a:fld id="{930913BB-146C-0D4A-A293-0C01AD818E04}" type="datetimeFigureOut">
               <a:rPr lang="hu-HU" smtClean="0"/>
-              <a:t>2019. 05. 12.</a:t>
+              <a:t>2019. 05. 13.</a:t>
             </a:fld>
             <a:endParaRPr lang="hu-HU"/>
           </a:p>
@@ -1402,7 +1405,7 @@
           <a:p>
             <a:fld id="{9B30E7EF-8069-C74C-A867-C5E862EE5C89}" type="datetime1">
               <a:rPr lang="hu-HU" smtClean="0"/>
-              <a:t>2019. 05. 12.</a:t>
+              <a:t>2019. 05. 13.</a:t>
             </a:fld>
             <a:endParaRPr lang="en-US" dirty="0"/>
           </a:p>
@@ -1630,7 +1633,7 @@
           <a:p>
             <a:fld id="{EF192F4B-D85B-634C-B5FC-E2E3E43550B1}" type="datetime1">
               <a:rPr lang="hu-HU" smtClean="0"/>
-              <a:t>2019. 05. 12.</a:t>
+              <a:t>2019. 05. 13.</a:t>
             </a:fld>
             <a:endParaRPr lang="en-US" dirty="0"/>
           </a:p>
@@ -1953,7 +1956,7 @@
           <a:p>
             <a:fld id="{80C2B87E-1572-D94A-9416-2CBB1FC0C358}" type="datetime1">
               <a:rPr lang="hu-HU" smtClean="0"/>
-              <a:t>2019. 05. 12.</a:t>
+              <a:t>2019. 05. 13.</a:t>
             </a:fld>
             <a:endParaRPr lang="en-US" dirty="0"/>
           </a:p>
@@ -2303,7 +2306,7 @@
           <a:p>
             <a:fld id="{CCC3F6A2-6CA1-0B40-BC8A-1BE3CD2214CF}" type="datetime1">
               <a:rPr lang="hu-HU" smtClean="0"/>
-              <a:t>2019. 05. 12.</a:t>
+              <a:t>2019. 05. 13.</a:t>
             </a:fld>
             <a:endParaRPr lang="en-US" dirty="0"/>
           </a:p>
@@ -2626,7 +2629,7 @@
           <a:p>
             <a:fld id="{EF0CBF4C-95B5-9B43-A564-EA859A4E061D}" type="datetime1">
               <a:rPr lang="hu-HU" smtClean="0"/>
-              <a:t>2019. 05. 12.</a:t>
+              <a:t>2019. 05. 13.</a:t>
             </a:fld>
             <a:endParaRPr lang="en-US" dirty="0"/>
           </a:p>
@@ -3028,7 +3031,7 @@
           <a:p>
             <a:fld id="{CFC8055C-0C1B-7C48-AA70-9D80EDCE5E0F}" type="datetime1">
               <a:rPr lang="hu-HU" smtClean="0"/>
-              <a:t>2019. 05. 12.</a:t>
+              <a:t>2019. 05. 13.</a:t>
             </a:fld>
             <a:endParaRPr lang="en-US" dirty="0"/>
           </a:p>
@@ -3207,7 +3210,7 @@
           <a:p>
             <a:fld id="{5A338CB0-AAF6-B040-8DAF-416B6D9FEA8B}" type="datetime1">
               <a:rPr lang="hu-HU" smtClean="0"/>
-              <a:t>2019. 05. 12.</a:t>
+              <a:t>2019. 05. 13.</a:t>
             </a:fld>
             <a:endParaRPr lang="en-US" dirty="0"/>
           </a:p>
@@ -3395,7 +3398,7 @@
           <a:p>
             <a:fld id="{96795A5C-BA95-F24B-BF53-CBAA0505D437}" type="datetime1">
               <a:rPr lang="hu-HU" smtClean="0"/>
-              <a:t>2019. 05. 12.</a:t>
+              <a:t>2019. 05. 13.</a:t>
             </a:fld>
             <a:endParaRPr lang="en-US" dirty="0"/>
           </a:p>
@@ -3580,7 +3583,7 @@
           <a:p>
             <a:fld id="{7E2CECB6-EC27-A04E-9615-8C41E8D8D602}" type="datetime1">
               <a:rPr lang="hu-HU" smtClean="0"/>
-              <a:t>2019. 05. 12.</a:t>
+              <a:t>2019. 05. 13.</a:t>
             </a:fld>
             <a:endParaRPr lang="en-US" dirty="0"/>
           </a:p>
@@ -3851,7 +3854,7 @@
           <a:p>
             <a:fld id="{4638B431-B818-A94C-926E-59B789F128FB}" type="datetime1">
               <a:rPr lang="hu-HU" smtClean="0"/>
-              <a:t>2019. 05. 12.</a:t>
+              <a:t>2019. 05. 13.</a:t>
             </a:fld>
             <a:endParaRPr lang="en-US" dirty="0"/>
           </a:p>
@@ -4194,7 +4197,7 @@
           <a:p>
             <a:fld id="{597239AD-85B9-B048-B2D9-33D3F0B2B949}" type="datetime1">
               <a:rPr lang="hu-HU" smtClean="0"/>
-              <a:t>2019. 05. 12.</a:t>
+              <a:t>2019. 05. 13.</a:t>
             </a:fld>
             <a:endParaRPr lang="en-US" dirty="0"/>
           </a:p>
@@ -4576,7 +4579,7 @@
           <a:p>
             <a:fld id="{CF67FA1E-022F-2E4E-AF1A-C4D92DC2E2FB}" type="datetime1">
               <a:rPr lang="hu-HU" smtClean="0"/>
-              <a:t>2019. 05. 12.</a:t>
+              <a:t>2019. 05. 13.</a:t>
             </a:fld>
             <a:endParaRPr lang="en-US" dirty="0"/>
           </a:p>
@@ -4708,7 +4711,7 @@
           <a:p>
             <a:fld id="{1B23E2DF-D5A5-2F43-B455-D44695846487}" type="datetime1">
               <a:rPr lang="hu-HU" smtClean="0"/>
-              <a:t>2019. 05. 12.</a:t>
+              <a:t>2019. 05. 13.</a:t>
             </a:fld>
             <a:endParaRPr lang="en-US" dirty="0"/>
           </a:p>
@@ -4812,7 +4815,7 @@
           <a:p>
             <a:fld id="{8876B9B6-E163-2A46-B10D-EA0BF8EE905E}" type="datetime1">
               <a:rPr lang="hu-HU" smtClean="0"/>
-              <a:t>2019. 05. 12.</a:t>
+              <a:t>2019. 05. 13.</a:t>
             </a:fld>
             <a:endParaRPr lang="en-US" dirty="0"/>
           </a:p>
@@ -5093,7 +5096,7 @@
           <a:p>
             <a:fld id="{A43E93BA-C2A1-0A44-8917-7EE5E68E84ED}" type="datetime1">
               <a:rPr lang="hu-HU" smtClean="0"/>
-              <a:t>2019. 05. 12.</a:t>
+              <a:t>2019. 05. 13.</a:t>
             </a:fld>
             <a:endParaRPr lang="en-US" dirty="0"/>
           </a:p>
@@ -5364,7 +5367,7 @@
           <a:p>
             <a:fld id="{34293CF5-9986-C142-A33A-48F9AD61B481}" type="datetime1">
               <a:rPr lang="hu-HU" smtClean="0"/>
-              <a:t>2019. 05. 12.</a:t>
+              <a:t>2019. 05. 13.</a:t>
             </a:fld>
             <a:endParaRPr lang="en-US" dirty="0"/>
           </a:p>
@@ -6116,7 +6119,7 @@
           <a:p>
             <a:fld id="{6FF8AC62-4C5D-5344-852C-654A5D7F766F}" type="datetime1">
               <a:rPr lang="hu-HU" smtClean="0"/>
-              <a:t>2019. 05. 12.</a:t>
+              <a:t>2019. 05. 13.</a:t>
             </a:fld>
             <a:endParaRPr lang="en-US" dirty="0"/>
           </a:p>
@@ -7009,7 +7012,7 @@
         </p:spPr>
         <p:txBody>
           <a:bodyPr>
-            <a:normAutofit/>
+            <a:normAutofit lnSpcReduction="10000"/>
           </a:bodyPr>
           <a:lstStyle/>
           <a:p>
@@ -7049,8 +7052,17 @@
             <a:pPr lvl="1"/>
             <a:r>
               <a:rPr lang="hu-HU" sz="1800" dirty="0"/>
-              <a:t>Lineáris regresszió osztályokra</a:t>
-            </a:r>
+              <a:t>Lineáris regresszió</a:t>
+            </a:r>
+            <a:endParaRPr lang="hu-HU" sz="1600" dirty="0"/>
+          </a:p>
+          <a:p>
+            <a:pPr lvl="2"/>
+            <a:r>
+              <a:rPr lang="hu-HU" sz="1600" dirty="0"/>
+              <a:t>Lineáris kapcsolat függő és független változók között</a:t>
+            </a:r>
+            <a:endParaRPr lang="hu-HU" sz="1800" dirty="0"/>
           </a:p>
           <a:p>
             <a:pPr lvl="2"/>
@@ -7063,7 +7075,7 @@
             <a:pPr lvl="2"/>
             <a:r>
               <a:rPr lang="hu-HU" sz="1600" dirty="0"/>
-              <a:t>Minimalizálja az átlagos eltérést a görbétől</a:t>
+              <a:t>Minimalizálja az átlagos eltérést a görbétől </a:t>
             </a:r>
           </a:p>
           <a:p>
@@ -8376,13 +8388,12 @@
           <a:lstStyle/>
           <a:p>
             <a:br>
-              <a:rPr lang="hu-HU"/>
+              <a:rPr lang="hu-HU" dirty="0"/>
             </a:br>
             <a:r>
-              <a:rPr lang="hu-HU"/>
+              <a:rPr lang="hu-HU" dirty="0"/>
               <a:t>Motiváció és kihívások</a:t>
             </a:r>
-            <a:endParaRPr lang="hu-HU" dirty="0"/>
           </a:p>
         </p:txBody>
       </p:sp>
@@ -8492,23 +8503,16 @@
             </a:r>
           </a:p>
           <a:p>
-            <a:pPr lvl="1"/>
-            <a:r>
-              <a:rPr lang="hu-HU" sz="1800" dirty="0"/>
-              <a:t>Új, ismeretlen kihívások</a:t>
-            </a:r>
-          </a:p>
-          <a:p>
-            <a:r>
-              <a:rPr lang="hu-HU" sz="2000" dirty="0"/>
+            <a:r>
+              <a:rPr lang="hu-HU" sz="2200" dirty="0"/>
               <a:t>Normál vs. </a:t>
             </a:r>
             <a:r>
-              <a:rPr lang="hu-HU" sz="2000" dirty="0" err="1"/>
+              <a:rPr lang="hu-HU" sz="2200" dirty="0" err="1"/>
               <a:t>Kripto</a:t>
             </a:r>
             <a:r>
-              <a:rPr lang="hu-HU" sz="2000" dirty="0"/>
+              <a:rPr lang="hu-HU" sz="2200" dirty="0"/>
               <a:t> tőzsde</a:t>
             </a:r>
           </a:p>
@@ -8771,13 +8775,28 @@
           <a:lstStyle/>
           <a:p>
             <a:br>
-              <a:rPr lang="hu-HU"/>
+              <a:rPr lang="hu-HU" dirty="0"/>
             </a:br>
             <a:r>
-              <a:rPr lang="hu-HU"/>
-              <a:t>Ajánlati könyv (Limit Order Book)</a:t>
-            </a:r>
-            <a:endParaRPr lang="hu-HU" dirty="0"/>
+              <a:rPr lang="hu-HU" dirty="0"/>
+              <a:t>Ajánlati könyv (Limit </a:t>
+            </a:r>
+            <a:r>
+              <a:rPr lang="hu-HU" dirty="0" err="1"/>
+              <a:t>Order</a:t>
+            </a:r>
+            <a:r>
+              <a:rPr lang="hu-HU" dirty="0"/>
+              <a:t> </a:t>
+            </a:r>
+            <a:r>
+              <a:rPr lang="hu-HU" dirty="0" err="1"/>
+              <a:t>Book</a:t>
+            </a:r>
+            <a:r>
+              <a:rPr lang="hu-HU" dirty="0"/>
+              <a:t>)</a:t>
+            </a:r>
           </a:p>
         </p:txBody>
       </p:sp>
@@ -8863,7 +8882,7 @@
         </p:spPr>
         <p:txBody>
           <a:bodyPr>
-            <a:normAutofit lnSpcReduction="10000"/>
+            <a:normAutofit fontScale="92500" lnSpcReduction="20000"/>
           </a:bodyPr>
           <a:lstStyle/>
           <a:p>
@@ -8963,14 +8982,22 @@
             <a:pPr lvl="1"/>
             <a:r>
               <a:rPr lang="hu-HU" sz="1800" dirty="0"/>
-              <a:t>Pillanatképek (REST API)</a:t>
+              <a:t>Pillanatképek - </a:t>
+            </a:r>
+            <a:r>
+              <a:rPr lang="hu-HU" sz="1800" dirty="0" err="1"/>
+              <a:t>snapshot</a:t>
+            </a:r>
+            <a:r>
+              <a:rPr lang="hu-HU" sz="1800" dirty="0"/>
+              <a:t> (REST API)</a:t>
             </a:r>
           </a:p>
           <a:p>
             <a:pPr lvl="1"/>
             <a:r>
               <a:rPr lang="hu-HU" sz="1800" dirty="0"/>
-              <a:t>Eseményszintű frissítések (</a:t>
+              <a:t>Eseményszintű frissítések - update (</a:t>
             </a:r>
             <a:r>
               <a:rPr lang="hu-HU" sz="1800" dirty="0" err="1"/>
@@ -11039,8 +11066,8 @@
           </a:fontRef>
         </p:style>
       </p:sp>
-      <mc:AlternateContent xmlns:mc="http://schemas.openxmlformats.org/markup-compatibility/2006">
-        <mc:Choice xmlns:a14="http://schemas.microsoft.com/office/drawing/2010/main" Requires="a14">
+      <mc:AlternateContent xmlns:mc="http://schemas.openxmlformats.org/markup-compatibility/2006" xmlns:a14="http://schemas.microsoft.com/office/drawing/2010/main">
+        <mc:Choice Requires="a14">
           <p:sp>
             <p:nvSpPr>
               <p:cNvPr id="4" name="TextBox 3">
@@ -11069,6 +11096,7 @@
               </a:bodyPr>
               <a:lstStyle/>
               <a:p>
+                <a:pPr/>
                 <a14:m>
                   <m:oMathPara xmlns:m="http://schemas.openxmlformats.org/officeDocument/2006/math">
                     <m:oMathParaPr>
@@ -11168,7 +11196,7 @@
             </p:txBody>
           </p:sp>
         </mc:Choice>
-        <mc:Fallback>
+        <mc:Fallback xmlns="">
           <p:sp>
             <p:nvSpPr>
               <p:cNvPr id="4" name="TextBox 3">

--- a/doc/presentation/presentation.pptx
+++ b/doc/presentation/presentation.pptx
@@ -238,7 +238,7 @@
           <a:p>
             <a:fld id="{6E95EFB3-D94B-0742-9CF8-183E43328B5F}" type="datetimeFigureOut">
               <a:rPr lang="hu-HU" smtClean="0"/>
-              <a:t>2019. 05. 13.</a:t>
+              <a:t>2020. 01. 07.</a:t>
             </a:fld>
             <a:endParaRPr lang="hu-HU"/>
           </a:p>
@@ -415,7 +415,7 @@
           <a:p>
             <a:fld id="{930913BB-146C-0D4A-A293-0C01AD818E04}" type="datetimeFigureOut">
               <a:rPr lang="hu-HU" smtClean="0"/>
-              <a:t>2019. 05. 13.</a:t>
+              <a:t>2020. 01. 07.</a:t>
             </a:fld>
             <a:endParaRPr lang="hu-HU"/>
           </a:p>
@@ -1405,7 +1405,7 @@
           <a:p>
             <a:fld id="{9B30E7EF-8069-C74C-A867-C5E862EE5C89}" type="datetime1">
               <a:rPr lang="hu-HU" smtClean="0"/>
-              <a:t>2019. 05. 13.</a:t>
+              <a:t>2020. 01. 07.</a:t>
             </a:fld>
             <a:endParaRPr lang="en-US" dirty="0"/>
           </a:p>
@@ -1633,7 +1633,7 @@
           <a:p>
             <a:fld id="{EF192F4B-D85B-634C-B5FC-E2E3E43550B1}" type="datetime1">
               <a:rPr lang="hu-HU" smtClean="0"/>
-              <a:t>2019. 05. 13.</a:t>
+              <a:t>2020. 01. 07.</a:t>
             </a:fld>
             <a:endParaRPr lang="en-US" dirty="0"/>
           </a:p>
@@ -1956,7 +1956,7 @@
           <a:p>
             <a:fld id="{80C2B87E-1572-D94A-9416-2CBB1FC0C358}" type="datetime1">
               <a:rPr lang="hu-HU" smtClean="0"/>
-              <a:t>2019. 05. 13.</a:t>
+              <a:t>2020. 01. 07.</a:t>
             </a:fld>
             <a:endParaRPr lang="en-US" dirty="0"/>
           </a:p>
@@ -2306,7 +2306,7 @@
           <a:p>
             <a:fld id="{CCC3F6A2-6CA1-0B40-BC8A-1BE3CD2214CF}" type="datetime1">
               <a:rPr lang="hu-HU" smtClean="0"/>
-              <a:t>2019. 05. 13.</a:t>
+              <a:t>2020. 01. 07.</a:t>
             </a:fld>
             <a:endParaRPr lang="en-US" dirty="0"/>
           </a:p>
@@ -2629,7 +2629,7 @@
           <a:p>
             <a:fld id="{EF0CBF4C-95B5-9B43-A564-EA859A4E061D}" type="datetime1">
               <a:rPr lang="hu-HU" smtClean="0"/>
-              <a:t>2019. 05. 13.</a:t>
+              <a:t>2020. 01. 07.</a:t>
             </a:fld>
             <a:endParaRPr lang="en-US" dirty="0"/>
           </a:p>
@@ -3031,7 +3031,7 @@
           <a:p>
             <a:fld id="{CFC8055C-0C1B-7C48-AA70-9D80EDCE5E0F}" type="datetime1">
               <a:rPr lang="hu-HU" smtClean="0"/>
-              <a:t>2019. 05. 13.</a:t>
+              <a:t>2020. 01. 07.</a:t>
             </a:fld>
             <a:endParaRPr lang="en-US" dirty="0"/>
           </a:p>
@@ -3210,7 +3210,7 @@
           <a:p>
             <a:fld id="{5A338CB0-AAF6-B040-8DAF-416B6D9FEA8B}" type="datetime1">
               <a:rPr lang="hu-HU" smtClean="0"/>
-              <a:t>2019. 05. 13.</a:t>
+              <a:t>2020. 01. 07.</a:t>
             </a:fld>
             <a:endParaRPr lang="en-US" dirty="0"/>
           </a:p>
@@ -3398,7 +3398,7 @@
           <a:p>
             <a:fld id="{96795A5C-BA95-F24B-BF53-CBAA0505D437}" type="datetime1">
               <a:rPr lang="hu-HU" smtClean="0"/>
-              <a:t>2019. 05. 13.</a:t>
+              <a:t>2020. 01. 07.</a:t>
             </a:fld>
             <a:endParaRPr lang="en-US" dirty="0"/>
           </a:p>
@@ -3583,7 +3583,7 @@
           <a:p>
             <a:fld id="{7E2CECB6-EC27-A04E-9615-8C41E8D8D602}" type="datetime1">
               <a:rPr lang="hu-HU" smtClean="0"/>
-              <a:t>2019. 05. 13.</a:t>
+              <a:t>2020. 01. 07.</a:t>
             </a:fld>
             <a:endParaRPr lang="en-US" dirty="0"/>
           </a:p>
@@ -3854,7 +3854,7 @@
           <a:p>
             <a:fld id="{4638B431-B818-A94C-926E-59B789F128FB}" type="datetime1">
               <a:rPr lang="hu-HU" smtClean="0"/>
-              <a:t>2019. 05. 13.</a:t>
+              <a:t>2020. 01. 07.</a:t>
             </a:fld>
             <a:endParaRPr lang="en-US" dirty="0"/>
           </a:p>
@@ -4197,7 +4197,7 @@
           <a:p>
             <a:fld id="{597239AD-85B9-B048-B2D9-33D3F0B2B949}" type="datetime1">
               <a:rPr lang="hu-HU" smtClean="0"/>
-              <a:t>2019. 05. 13.</a:t>
+              <a:t>2020. 01. 07.</a:t>
             </a:fld>
             <a:endParaRPr lang="en-US" dirty="0"/>
           </a:p>
@@ -4579,7 +4579,7 @@
           <a:p>
             <a:fld id="{CF67FA1E-022F-2E4E-AF1A-C4D92DC2E2FB}" type="datetime1">
               <a:rPr lang="hu-HU" smtClean="0"/>
-              <a:t>2019. 05. 13.</a:t>
+              <a:t>2020. 01. 07.</a:t>
             </a:fld>
             <a:endParaRPr lang="en-US" dirty="0"/>
           </a:p>
@@ -4711,7 +4711,7 @@
           <a:p>
             <a:fld id="{1B23E2DF-D5A5-2F43-B455-D44695846487}" type="datetime1">
               <a:rPr lang="hu-HU" smtClean="0"/>
-              <a:t>2019. 05. 13.</a:t>
+              <a:t>2020. 01. 07.</a:t>
             </a:fld>
             <a:endParaRPr lang="en-US" dirty="0"/>
           </a:p>
@@ -4815,7 +4815,7 @@
           <a:p>
             <a:fld id="{8876B9B6-E163-2A46-B10D-EA0BF8EE905E}" type="datetime1">
               <a:rPr lang="hu-HU" smtClean="0"/>
-              <a:t>2019. 05. 13.</a:t>
+              <a:t>2020. 01. 07.</a:t>
             </a:fld>
             <a:endParaRPr lang="en-US" dirty="0"/>
           </a:p>
@@ -5096,7 +5096,7 @@
           <a:p>
             <a:fld id="{A43E93BA-C2A1-0A44-8917-7EE5E68E84ED}" type="datetime1">
               <a:rPr lang="hu-HU" smtClean="0"/>
-              <a:t>2019. 05. 13.</a:t>
+              <a:t>2020. 01. 07.</a:t>
             </a:fld>
             <a:endParaRPr lang="en-US" dirty="0"/>
           </a:p>
@@ -5367,7 +5367,7 @@
           <a:p>
             <a:fld id="{34293CF5-9986-C142-A33A-48F9AD61B481}" type="datetime1">
               <a:rPr lang="hu-HU" smtClean="0"/>
-              <a:t>2019. 05. 13.</a:t>
+              <a:t>2020. 01. 07.</a:t>
             </a:fld>
             <a:endParaRPr lang="en-US" dirty="0"/>
           </a:p>
@@ -6119,7 +6119,7 @@
           <a:p>
             <a:fld id="{6FF8AC62-4C5D-5344-852C-654A5D7F766F}" type="datetime1">
               <a:rPr lang="hu-HU" smtClean="0"/>
-              <a:t>2019. 05. 13.</a:t>
+              <a:t>2020. 01. 07.</a:t>
             </a:fld>
             <a:endParaRPr lang="en-US" dirty="0"/>
           </a:p>
